--- a/slidedeck.pptx
+++ b/slidedeck.pptx
@@ -6,7 +6,7 @@
     <p:sldMasterId id="2147483650" r:id="rId2"/>
   </p:sldMasterIdLst>
   <p:handoutMasterIdLst>
-    <p:handoutMasterId r:id="rId13"/>
+    <p:handoutMasterId r:id="rId12"/>
   </p:handoutMasterIdLst>
   <p:sldIdLst>
     <p:sldId id="256" r:id="rId3"/>
@@ -16,9 +16,8 @@
     <p:sldId id="268" r:id="rId7"/>
     <p:sldId id="269" r:id="rId8"/>
     <p:sldId id="270" r:id="rId9"/>
-    <p:sldId id="267" r:id="rId10"/>
-    <p:sldId id="271" r:id="rId11"/>
-    <p:sldId id="259" r:id="rId12"/>
+    <p:sldId id="271" r:id="rId10"/>
+    <p:sldId id="259" r:id="rId11"/>
   </p:sldIdLst>
   <p:sldSz cx="9144000" cy="6858000" type="screen4x3"/>
   <p:notesSz cx="6858000" cy="9144000"/>
@@ -3412,815 +3411,6 @@
 </p:sld>
 </file>
 
-<file path=ppt/slides/slide10.xml><?xml version="1.0" encoding="utf-8"?>
-<p:sld xmlns:a="http://schemas.openxmlformats.org/drawingml/2006/main" xmlns:r="http://schemas.openxmlformats.org/officeDocument/2006/relationships" xmlns:p="http://schemas.openxmlformats.org/presentationml/2006/main">
-  <p:cSld>
-    <p:spTree>
-      <p:nvGrpSpPr>
-        <p:cNvPr id="1" name=""/>
-        <p:cNvGrpSpPr/>
-        <p:nvPr/>
-      </p:nvGrpSpPr>
-      <p:grpSpPr>
-        <a:xfrm>
-          <a:off x="0" y="0"/>
-          <a:ext cx="0" cy="0"/>
-          <a:chOff x="0" y="0"/>
-          <a:chExt cx="0" cy="0"/>
-        </a:xfrm>
-      </p:grpSpPr>
-      <p:sp>
-        <p:nvSpPr>
-          <p:cNvPr id="10" name="Title 9"/>
-          <p:cNvSpPr>
-            <a:spLocks noGrp="1"/>
-          </p:cNvSpPr>
-          <p:nvPr>
-            <p:ph type="title"/>
-          </p:nvPr>
-        </p:nvSpPr>
-        <p:spPr/>
-        <p:txBody>
-          <a:bodyPr/>
-          <a:lstStyle/>
-          <a:p>
-            <a:r>
-              <a:rPr lang="en-US" dirty="0" smtClean="0"/>
-              <a:t>Send us a message</a:t>
-            </a:r>
-            <a:endParaRPr lang="nl-NL" dirty="0"/>
-          </a:p>
-        </p:txBody>
-      </p:sp>
-      <p:sp>
-        <p:nvSpPr>
-          <p:cNvPr id="5" name="Text Placeholder 4"/>
-          <p:cNvSpPr>
-            <a:spLocks noGrp="1"/>
-          </p:cNvSpPr>
-          <p:nvPr>
-            <p:ph type="body" sz="quarter" idx="10"/>
-          </p:nvPr>
-        </p:nvSpPr>
-        <p:spPr>
-          <a:xfrm>
-            <a:off x="251520" y="1988840"/>
-            <a:ext cx="3960440" cy="4320480"/>
-          </a:xfrm>
-        </p:spPr>
-        <p:txBody>
-          <a:bodyPr/>
-          <a:lstStyle/>
-          <a:p>
-            <a:r>
-              <a:rPr lang="en-US" smtClean="0"/>
-              <a:t>E-mail</a:t>
-            </a:r>
-          </a:p>
-          <a:p>
-            <a:pPr lvl="1"/>
-            <a:r>
-              <a:rPr lang="en-US" smtClean="0"/>
-              <a:t>You can contact us at</a:t>
-            </a:r>
-            <a:br>
-              <a:rPr lang="en-US" smtClean="0"/>
-            </a:br>
-            <a:r>
-              <a:rPr lang="en-US" smtClean="0">
-                <a:hlinkClick r:id="rId2"/>
-              </a:rPr>
-              <a:t>info@lorem.com</a:t>
-            </a:r>
-            <a:r>
-              <a:rPr lang="en-US" smtClean="0"/>
-              <a:t/>
-            </a:r>
-            <a:br>
-              <a:rPr lang="en-US" smtClean="0"/>
-            </a:br>
-            <a:r>
-              <a:rPr lang="en-US" smtClean="0"/>
-              <a:t>or me directly at</a:t>
-            </a:r>
-            <a:br>
-              <a:rPr lang="en-US" smtClean="0"/>
-            </a:br>
-            <a:r>
-              <a:rPr lang="en-US" smtClean="0">
-                <a:hlinkClick r:id="rId3"/>
-              </a:rPr>
-              <a:t>lindsey@lorem.com</a:t>
-            </a:r>
-            <a:endParaRPr lang="en-US" smtClean="0"/>
-          </a:p>
-          <a:p>
-            <a:pPr lvl="2"/>
-            <a:endParaRPr lang="en-US" smtClean="0"/>
-          </a:p>
-          <a:p>
-            <a:r>
-              <a:rPr lang="en-US" smtClean="0"/>
-              <a:t>Our address</a:t>
-            </a:r>
-          </a:p>
-          <a:p>
-            <a:pPr lvl="1"/>
-            <a:r>
-              <a:rPr lang="en-US" smtClean="0"/>
-              <a:t>24 Brugstraat</a:t>
-            </a:r>
-            <a:br>
-              <a:rPr lang="en-US" smtClean="0"/>
-            </a:br>
-            <a:r>
-              <a:rPr lang="en-US" smtClean="0"/>
-              <a:t>3510 XV Utrecht</a:t>
-            </a:r>
-            <a:br>
-              <a:rPr lang="en-US" smtClean="0"/>
-            </a:br>
-            <a:r>
-              <a:rPr lang="en-US" smtClean="0"/>
-              <a:t>The Netherlands</a:t>
-            </a:r>
-          </a:p>
-        </p:txBody>
-      </p:sp>
-      <p:sp>
-        <p:nvSpPr>
-          <p:cNvPr id="12" name="Text Placeholder 11"/>
-          <p:cNvSpPr>
-            <a:spLocks noGrp="1"/>
-          </p:cNvSpPr>
-          <p:nvPr>
-            <p:ph type="body" sz="quarter" idx="11"/>
-          </p:nvPr>
-        </p:nvSpPr>
-        <p:spPr/>
-        <p:txBody>
-          <a:bodyPr/>
-          <a:lstStyle/>
-          <a:p>
-            <a:r>
-              <a:rPr lang="en-US" smtClean="0"/>
-              <a:t>Our contact information</a:t>
-            </a:r>
-            <a:endParaRPr lang="nl-NL"/>
-          </a:p>
-        </p:txBody>
-      </p:sp>
-      <p:sp>
-        <p:nvSpPr>
-          <p:cNvPr id="11" name="Title 6"/>
-          <p:cNvSpPr txBox="1">
-            <a:spLocks/>
-          </p:cNvSpPr>
-          <p:nvPr/>
-        </p:nvSpPr>
-        <p:spPr>
-          <a:xfrm>
-            <a:off x="8676456" y="0"/>
-            <a:ext cx="576064" cy="6858000"/>
-          </a:xfrm>
-          <a:prstGeom prst="rect">
-            <a:avLst/>
-          </a:prstGeom>
-        </p:spPr>
-        <p:txBody>
-          <a:bodyPr vert="horz" lIns="91440" tIns="45720" rIns="91440" bIns="45720" rtlCol="0" anchor="ctr">
-            <a:normAutofit/>
-          </a:bodyPr>
-          <a:lstStyle/>
-          <a:p>
-            <a:pPr marL="0" marR="0" lvl="0" indent="0" algn="ctr" defTabSz="914400" rtl="0" eaLnBrk="1" fontAlgn="auto" latinLnBrk="0" hangingPunct="1">
-              <a:lnSpc>
-                <a:spcPct val="260000"/>
-              </a:lnSpc>
-              <a:spcBef>
-                <a:spcPct val="0"/>
-              </a:spcBef>
-              <a:spcAft>
-                <a:spcPts val="0"/>
-              </a:spcAft>
-              <a:buClrTx/>
-              <a:buSzTx/>
-              <a:buFontTx/>
-              <a:buNone/>
-              <a:tabLst/>
-              <a:defRPr/>
-            </a:pPr>
-            <a:r>
-              <a:rPr kumimoji="0" lang="en-US" sz="1400" b="0" i="0" u="none" strike="noStrike" kern="1200" cap="none" spc="0" normalizeH="0" baseline="0" noProof="0" smtClean="0">
-                <a:ln>
-                  <a:noFill/>
-                </a:ln>
-                <a:solidFill>
-                  <a:schemeClr val="accent3"/>
-                </a:solidFill>
-                <a:effectLst/>
-                <a:uLnTx/>
-                <a:uFillTx/>
-                <a:latin typeface="+mj-lt"/>
-                <a:ea typeface="+mj-ea"/>
-                <a:cs typeface="+mj-cs"/>
-              </a:rPr>
-              <a:t>1</a:t>
-            </a:r>
-          </a:p>
-          <a:p>
-            <a:pPr marL="0" marR="0" lvl="0" indent="0" algn="ctr" defTabSz="914400" rtl="0" eaLnBrk="1" fontAlgn="auto" latinLnBrk="0" hangingPunct="1">
-              <a:lnSpc>
-                <a:spcPct val="260000"/>
-              </a:lnSpc>
-              <a:spcBef>
-                <a:spcPct val="0"/>
-              </a:spcBef>
-              <a:spcAft>
-                <a:spcPts val="0"/>
-              </a:spcAft>
-              <a:buClrTx/>
-              <a:buSzTx/>
-              <a:buFontTx/>
-              <a:buNone/>
-              <a:tabLst/>
-              <a:defRPr/>
-            </a:pPr>
-            <a:r>
-              <a:rPr kumimoji="0" lang="en-US" sz="1400" b="0" i="0" u="none" strike="noStrike" kern="1200" cap="none" spc="0" normalizeH="0" baseline="0" noProof="0" smtClean="0">
-                <a:ln>
-                  <a:noFill/>
-                </a:ln>
-                <a:solidFill>
-                  <a:schemeClr val="accent3"/>
-                </a:solidFill>
-                <a:effectLst/>
-                <a:uLnTx/>
-                <a:uFillTx/>
-                <a:latin typeface="+mj-lt"/>
-                <a:ea typeface="+mj-ea"/>
-                <a:cs typeface="+mj-cs"/>
-              </a:rPr>
-              <a:t>2</a:t>
-            </a:r>
-          </a:p>
-          <a:p>
-            <a:pPr marL="0" marR="0" lvl="0" indent="0" algn="ctr" defTabSz="914400" rtl="0" eaLnBrk="1" fontAlgn="auto" latinLnBrk="0" hangingPunct="1">
-              <a:lnSpc>
-                <a:spcPct val="260000"/>
-              </a:lnSpc>
-              <a:spcBef>
-                <a:spcPct val="0"/>
-              </a:spcBef>
-              <a:spcAft>
-                <a:spcPts val="0"/>
-              </a:spcAft>
-              <a:buClrTx/>
-              <a:buSzTx/>
-              <a:buFontTx/>
-              <a:buNone/>
-              <a:tabLst/>
-              <a:defRPr/>
-            </a:pPr>
-            <a:r>
-              <a:rPr kumimoji="0" lang="en-US" sz="1400" b="0" i="0" u="none" strike="noStrike" kern="1200" cap="none" spc="0" normalizeH="0" baseline="0" noProof="0" smtClean="0">
-                <a:ln>
-                  <a:noFill/>
-                </a:ln>
-                <a:solidFill>
-                  <a:schemeClr val="accent3"/>
-                </a:solidFill>
-                <a:effectLst/>
-                <a:uLnTx/>
-                <a:uFillTx/>
-                <a:latin typeface="+mj-lt"/>
-                <a:ea typeface="+mj-ea"/>
-                <a:cs typeface="+mj-cs"/>
-              </a:rPr>
-              <a:t>3</a:t>
-            </a:r>
-          </a:p>
-          <a:p>
-            <a:pPr marL="0" marR="0" lvl="0" indent="0" algn="ctr" defTabSz="914400" rtl="0" eaLnBrk="1" fontAlgn="auto" latinLnBrk="0" hangingPunct="1">
-              <a:lnSpc>
-                <a:spcPct val="260000"/>
-              </a:lnSpc>
-              <a:spcBef>
-                <a:spcPct val="0"/>
-              </a:spcBef>
-              <a:spcAft>
-                <a:spcPts val="0"/>
-              </a:spcAft>
-              <a:buClrTx/>
-              <a:buSzTx/>
-              <a:buFontTx/>
-              <a:buNone/>
-              <a:tabLst/>
-              <a:defRPr/>
-            </a:pPr>
-            <a:r>
-              <a:rPr lang="en-US" sz="1400" smtClean="0">
-                <a:solidFill>
-                  <a:schemeClr val="accent3"/>
-                </a:solidFill>
-                <a:latin typeface="+mj-lt"/>
-                <a:ea typeface="+mj-ea"/>
-                <a:cs typeface="+mj-cs"/>
-              </a:rPr>
-              <a:t>4</a:t>
-            </a:r>
-          </a:p>
-          <a:p>
-            <a:pPr marL="0" marR="0" lvl="0" indent="0" algn="ctr" defTabSz="914400" rtl="0" eaLnBrk="1" fontAlgn="auto" latinLnBrk="0" hangingPunct="1">
-              <a:lnSpc>
-                <a:spcPct val="260000"/>
-              </a:lnSpc>
-              <a:spcBef>
-                <a:spcPct val="0"/>
-              </a:spcBef>
-              <a:spcAft>
-                <a:spcPts val="0"/>
-              </a:spcAft>
-              <a:buClrTx/>
-              <a:buSzTx/>
-              <a:buFontTx/>
-              <a:buNone/>
-              <a:tabLst/>
-              <a:defRPr/>
-            </a:pPr>
-            <a:r>
-              <a:rPr lang="en-US" sz="1400" smtClean="0">
-                <a:solidFill>
-                  <a:schemeClr val="accent3"/>
-                </a:solidFill>
-                <a:latin typeface="+mj-lt"/>
-                <a:ea typeface="+mj-ea"/>
-                <a:cs typeface="+mj-cs"/>
-              </a:rPr>
-              <a:t>5</a:t>
-            </a:r>
-          </a:p>
-          <a:p>
-            <a:pPr marL="0" marR="0" lvl="0" indent="0" algn="ctr" defTabSz="914400" rtl="0" eaLnBrk="1" fontAlgn="auto" latinLnBrk="0" hangingPunct="1">
-              <a:lnSpc>
-                <a:spcPct val="260000"/>
-              </a:lnSpc>
-              <a:spcBef>
-                <a:spcPct val="0"/>
-              </a:spcBef>
-              <a:spcAft>
-                <a:spcPts val="0"/>
-              </a:spcAft>
-              <a:buClrTx/>
-              <a:buSzTx/>
-              <a:buFontTx/>
-              <a:buNone/>
-              <a:tabLst/>
-              <a:defRPr/>
-            </a:pPr>
-            <a:r>
-              <a:rPr lang="en-US" sz="1400" smtClean="0">
-                <a:solidFill>
-                  <a:schemeClr val="accent3"/>
-                </a:solidFill>
-                <a:latin typeface="+mj-lt"/>
-                <a:ea typeface="+mj-ea"/>
-                <a:cs typeface="+mj-cs"/>
-              </a:rPr>
-              <a:t>6</a:t>
-            </a:r>
-          </a:p>
-          <a:p>
-            <a:pPr marL="0" marR="0" lvl="0" indent="0" algn="ctr" defTabSz="914400" rtl="0" eaLnBrk="1" fontAlgn="auto" latinLnBrk="0" hangingPunct="1">
-              <a:lnSpc>
-                <a:spcPct val="260000"/>
-              </a:lnSpc>
-              <a:spcBef>
-                <a:spcPct val="0"/>
-              </a:spcBef>
-              <a:spcAft>
-                <a:spcPts val="0"/>
-              </a:spcAft>
-              <a:buClrTx/>
-              <a:buSzTx/>
-              <a:buFontTx/>
-              <a:buNone/>
-              <a:tabLst/>
-              <a:defRPr/>
-            </a:pPr>
-            <a:r>
-              <a:rPr lang="en-US" sz="1400" smtClean="0">
-                <a:solidFill>
-                  <a:schemeClr val="accent3"/>
-                </a:solidFill>
-                <a:latin typeface="+mj-lt"/>
-                <a:ea typeface="+mj-ea"/>
-                <a:cs typeface="+mj-cs"/>
-              </a:rPr>
-              <a:t>7</a:t>
-            </a:r>
-          </a:p>
-          <a:p>
-            <a:pPr marL="0" marR="0" lvl="0" indent="0" algn="ctr" defTabSz="914400" rtl="0" eaLnBrk="1" fontAlgn="auto" latinLnBrk="0" hangingPunct="1">
-              <a:lnSpc>
-                <a:spcPct val="260000"/>
-              </a:lnSpc>
-              <a:spcBef>
-                <a:spcPct val="0"/>
-              </a:spcBef>
-              <a:spcAft>
-                <a:spcPts val="0"/>
-              </a:spcAft>
-              <a:buClrTx/>
-              <a:buSzTx/>
-              <a:buFontTx/>
-              <a:buNone/>
-              <a:tabLst/>
-              <a:defRPr/>
-            </a:pPr>
-            <a:r>
-              <a:rPr lang="en-US" sz="1400" smtClean="0">
-                <a:solidFill>
-                  <a:schemeClr val="accent3"/>
-                </a:solidFill>
-                <a:latin typeface="+mj-lt"/>
-                <a:ea typeface="+mj-ea"/>
-                <a:cs typeface="+mj-cs"/>
-              </a:rPr>
-              <a:t>8</a:t>
-            </a:r>
-          </a:p>
-          <a:p>
-            <a:pPr marL="0" marR="0" lvl="0" indent="0" algn="ctr" defTabSz="914400" rtl="0" eaLnBrk="1" fontAlgn="auto" latinLnBrk="0" hangingPunct="1">
-              <a:lnSpc>
-                <a:spcPct val="260000"/>
-              </a:lnSpc>
-              <a:spcBef>
-                <a:spcPct val="0"/>
-              </a:spcBef>
-              <a:spcAft>
-                <a:spcPts val="0"/>
-              </a:spcAft>
-              <a:buClrTx/>
-              <a:buSzTx/>
-              <a:buFontTx/>
-              <a:buNone/>
-              <a:tabLst/>
-              <a:defRPr/>
-            </a:pPr>
-            <a:r>
-              <a:rPr lang="en-US" sz="1400" smtClean="0">
-                <a:solidFill>
-                  <a:schemeClr val="accent3"/>
-                </a:solidFill>
-                <a:latin typeface="+mj-lt"/>
-                <a:ea typeface="+mj-ea"/>
-                <a:cs typeface="+mj-cs"/>
-              </a:rPr>
-              <a:t>9</a:t>
-            </a:r>
-          </a:p>
-          <a:p>
-            <a:pPr marL="0" marR="0" lvl="0" indent="0" algn="ctr" defTabSz="914400" rtl="0" eaLnBrk="1" fontAlgn="auto" latinLnBrk="0" hangingPunct="1">
-              <a:lnSpc>
-                <a:spcPct val="260000"/>
-              </a:lnSpc>
-              <a:spcBef>
-                <a:spcPct val="0"/>
-              </a:spcBef>
-              <a:spcAft>
-                <a:spcPts val="0"/>
-              </a:spcAft>
-              <a:buClrTx/>
-              <a:buSzTx/>
-              <a:buFontTx/>
-              <a:buNone/>
-              <a:tabLst/>
-              <a:defRPr/>
-            </a:pPr>
-            <a:r>
-              <a:rPr lang="en-US" sz="1400" smtClean="0">
-                <a:solidFill>
-                  <a:schemeClr val="accent3"/>
-                </a:solidFill>
-                <a:latin typeface="+mj-lt"/>
-                <a:ea typeface="+mj-ea"/>
-                <a:cs typeface="+mj-cs"/>
-              </a:rPr>
-              <a:t>10</a:t>
-            </a:r>
-          </a:p>
-          <a:p>
-            <a:pPr marL="0" marR="0" lvl="0" indent="0" algn="ctr" defTabSz="914400" rtl="0" eaLnBrk="1" fontAlgn="auto" latinLnBrk="0" hangingPunct="1">
-              <a:lnSpc>
-                <a:spcPct val="260000"/>
-              </a:lnSpc>
-              <a:spcBef>
-                <a:spcPct val="0"/>
-              </a:spcBef>
-              <a:spcAft>
-                <a:spcPts val="0"/>
-              </a:spcAft>
-              <a:buClrTx/>
-              <a:buSzTx/>
-              <a:buFontTx/>
-              <a:buNone/>
-              <a:tabLst/>
-              <a:defRPr/>
-            </a:pPr>
-            <a:r>
-              <a:rPr kumimoji="0" lang="en-US" sz="1400" b="0" i="0" u="none" strike="noStrike" kern="1200" cap="none" spc="0" normalizeH="0" baseline="0" noProof="0" smtClean="0">
-                <a:ln>
-                  <a:noFill/>
-                </a:ln>
-                <a:solidFill>
-                  <a:schemeClr val="accent3"/>
-                </a:solidFill>
-                <a:effectLst/>
-                <a:uLnTx/>
-                <a:uFillTx/>
-                <a:latin typeface="+mj-lt"/>
-                <a:ea typeface="+mj-ea"/>
-                <a:cs typeface="+mj-cs"/>
-              </a:rPr>
-              <a:t>11</a:t>
-            </a:r>
-          </a:p>
-          <a:p>
-            <a:pPr marL="0" marR="0" lvl="0" indent="0" algn="ctr" defTabSz="914400" rtl="0" eaLnBrk="1" fontAlgn="auto" latinLnBrk="0" hangingPunct="1">
-              <a:lnSpc>
-                <a:spcPct val="260000"/>
-              </a:lnSpc>
-              <a:spcBef>
-                <a:spcPct val="0"/>
-              </a:spcBef>
-              <a:spcAft>
-                <a:spcPts val="0"/>
-              </a:spcAft>
-              <a:buClrTx/>
-              <a:buSzTx/>
-              <a:buFontTx/>
-              <a:buNone/>
-              <a:tabLst/>
-              <a:defRPr/>
-            </a:pPr>
-            <a:r>
-              <a:rPr lang="en-US" sz="1400" smtClean="0">
-                <a:solidFill>
-                  <a:schemeClr val="tx2"/>
-                </a:solidFill>
-                <a:latin typeface="+mj-lt"/>
-                <a:ea typeface="+mj-ea"/>
-                <a:cs typeface="+mj-cs"/>
-              </a:rPr>
-              <a:t>12</a:t>
-            </a:r>
-            <a:endParaRPr kumimoji="0" lang="nl-NL" sz="1400" b="0" i="0" u="none" strike="noStrike" kern="1200" cap="none" spc="0" normalizeH="0" baseline="0" noProof="0" smtClean="0">
-              <a:ln>
-                <a:noFill/>
-              </a:ln>
-              <a:solidFill>
-                <a:schemeClr val="tx2"/>
-              </a:solidFill>
-              <a:effectLst/>
-              <a:uLnTx/>
-              <a:uFillTx/>
-              <a:latin typeface="+mj-lt"/>
-              <a:ea typeface="+mj-ea"/>
-              <a:cs typeface="+mj-cs"/>
-            </a:endParaRPr>
-          </a:p>
-        </p:txBody>
-      </p:sp>
-      <p:sp>
-        <p:nvSpPr>
-          <p:cNvPr id="6" name="Text Placeholder 4"/>
-          <p:cNvSpPr txBox="1">
-            <a:spLocks/>
-          </p:cNvSpPr>
-          <p:nvPr/>
-        </p:nvSpPr>
-        <p:spPr>
-          <a:xfrm>
-            <a:off x="4427984" y="1988840"/>
-            <a:ext cx="3888432" cy="4320480"/>
-          </a:xfrm>
-          <a:prstGeom prst="rect">
-            <a:avLst/>
-          </a:prstGeom>
-        </p:spPr>
-        <p:txBody>
-          <a:bodyPr vert="horz" lIns="91440" tIns="45720" rIns="91440" bIns="45720" rtlCol="0">
-            <a:normAutofit/>
-          </a:bodyPr>
-          <a:lstStyle/>
-          <a:p>
-            <a:pPr marL="0" marR="0" lvl="0" indent="0" algn="l" defTabSz="914400" rtl="0" eaLnBrk="1" fontAlgn="auto" latinLnBrk="0" hangingPunct="1">
-              <a:lnSpc>
-                <a:spcPct val="130000"/>
-              </a:lnSpc>
-              <a:spcBef>
-                <a:spcPct val="20000"/>
-              </a:spcBef>
-              <a:spcAft>
-                <a:spcPts val="0"/>
-              </a:spcAft>
-              <a:buClrTx/>
-              <a:buSzTx/>
-              <a:buFont typeface="Arial" pitchFamily="34" charset="0"/>
-              <a:buNone/>
-              <a:tabLst/>
-              <a:defRPr/>
-            </a:pPr>
-            <a:r>
-              <a:rPr kumimoji="0" lang="en-US" sz="2100" b="0" i="0" u="none" strike="noStrike" kern="1200" cap="none" spc="0" normalizeH="0" baseline="0" noProof="0" dirty="0" smtClean="0">
-                <a:ln>
-                  <a:noFill/>
-                </a:ln>
-                <a:solidFill>
-                  <a:schemeClr val="bg2"/>
-                </a:solidFill>
-                <a:effectLst/>
-                <a:uLnTx/>
-                <a:uFillTx/>
-                <a:latin typeface="+mn-lt"/>
-                <a:ea typeface="+mn-ea"/>
-                <a:cs typeface="+mn-cs"/>
-              </a:rPr>
-              <a:t>On the web</a:t>
-            </a:r>
-          </a:p>
-          <a:p>
-            <a:pPr marL="0" marR="0" lvl="1" indent="0" algn="l" defTabSz="914400" rtl="0" eaLnBrk="1" fontAlgn="auto" latinLnBrk="0" hangingPunct="1">
-              <a:lnSpc>
-                <a:spcPct val="130000"/>
-              </a:lnSpc>
-              <a:spcBef>
-                <a:spcPct val="20000"/>
-              </a:spcBef>
-              <a:spcAft>
-                <a:spcPts val="0"/>
-              </a:spcAft>
-              <a:buClrTx/>
-              <a:buSzTx/>
-              <a:buFont typeface="Arial" pitchFamily="34" charset="0"/>
-              <a:buNone/>
-              <a:tabLst/>
-              <a:defRPr/>
-            </a:pPr>
-            <a:r>
-              <a:rPr kumimoji="0" lang="en-US" sz="1800" b="0" i="0" u="none" strike="noStrike" kern="1200" cap="none" spc="0" normalizeH="0" baseline="0" noProof="0" dirty="0" err="1" smtClean="0">
-                <a:ln>
-                  <a:noFill/>
-                </a:ln>
-                <a:solidFill>
-                  <a:schemeClr val="tx1"/>
-                </a:solidFill>
-                <a:effectLst/>
-                <a:uLnTx/>
-                <a:uFillTx/>
-                <a:latin typeface="+mn-lt"/>
-                <a:ea typeface="+mn-ea"/>
-                <a:cs typeface="+mn-cs"/>
-              </a:rPr>
-              <a:t>twitter.com</a:t>
-            </a:r>
-            <a:r>
-              <a:rPr kumimoji="0" lang="en-US" sz="1800" b="0" i="0" u="none" strike="noStrike" kern="1200" cap="none" spc="0" normalizeH="0" baseline="0" noProof="0" dirty="0" smtClean="0">
-                <a:ln>
-                  <a:noFill/>
-                </a:ln>
-                <a:solidFill>
-                  <a:schemeClr val="tx1"/>
-                </a:solidFill>
-                <a:effectLst/>
-                <a:uLnTx/>
-                <a:uFillTx/>
-                <a:latin typeface="+mn-lt"/>
-                <a:ea typeface="+mn-ea"/>
-                <a:cs typeface="+mn-cs"/>
-              </a:rPr>
-              <a:t>/</a:t>
-            </a:r>
-            <a:r>
-              <a:rPr kumimoji="0" lang="en-US" sz="1800" b="0" i="0" u="none" strike="noStrike" kern="1200" cap="none" spc="0" normalizeH="0" baseline="0" noProof="0" dirty="0" err="1" smtClean="0">
-                <a:ln>
-                  <a:noFill/>
-                </a:ln>
-                <a:solidFill>
-                  <a:schemeClr val="tx1"/>
-                </a:solidFill>
-                <a:effectLst/>
-                <a:uLnTx/>
-                <a:uFillTx/>
-                <a:latin typeface="+mn-lt"/>
-                <a:ea typeface="+mn-ea"/>
-                <a:cs typeface="+mn-cs"/>
-              </a:rPr>
-              <a:t>scottcowan</a:t>
-            </a:r>
-            <a:endParaRPr kumimoji="0" lang="en-US" sz="1800" b="0" i="0" u="none" strike="noStrike" kern="1200" cap="none" spc="0" normalizeH="0" baseline="0" noProof="0" dirty="0" smtClean="0">
-              <a:ln>
-                <a:noFill/>
-              </a:ln>
-              <a:solidFill>
-                <a:schemeClr val="tx1"/>
-              </a:solidFill>
-              <a:effectLst/>
-              <a:uLnTx/>
-              <a:uFillTx/>
-              <a:latin typeface="+mn-lt"/>
-              <a:ea typeface="+mn-ea"/>
-              <a:cs typeface="+mn-cs"/>
-            </a:endParaRPr>
-          </a:p>
-          <a:p>
-            <a:pPr marL="0" lvl="1">
-              <a:lnSpc>
-                <a:spcPct val="130000"/>
-              </a:lnSpc>
-              <a:spcBef>
-                <a:spcPct val="20000"/>
-              </a:spcBef>
-              <a:defRPr/>
-            </a:pPr>
-            <a:r>
-              <a:rPr lang="en-US" dirty="0" err="1" smtClean="0"/>
-              <a:t>github.com</a:t>
-            </a:r>
-            <a:r>
-              <a:rPr lang="en-US" dirty="0"/>
-              <a:t>/</a:t>
-            </a:r>
-            <a:r>
-              <a:rPr lang="en-US" dirty="0" err="1" smtClean="0"/>
-              <a:t>scottcowan</a:t>
-            </a:r>
-            <a:r>
-              <a:rPr kumimoji="0" lang="en-US" sz="1800" b="0" i="0" u="none" strike="noStrike" kern="1200" cap="none" spc="0" normalizeH="0" baseline="0" noProof="0" dirty="0" smtClean="0">
-                <a:ln>
-                  <a:noFill/>
-                </a:ln>
-                <a:solidFill>
-                  <a:schemeClr val="tx1"/>
-                </a:solidFill>
-                <a:effectLst/>
-                <a:uLnTx/>
-                <a:uFillTx/>
-                <a:latin typeface="+mn-lt"/>
-                <a:ea typeface="+mn-ea"/>
-                <a:cs typeface="+mn-cs"/>
-              </a:rPr>
-              <a:t/>
-            </a:r>
-            <a:br>
-              <a:rPr kumimoji="0" lang="en-US" sz="1800" b="0" i="0" u="none" strike="noStrike" kern="1200" cap="none" spc="0" normalizeH="0" baseline="0" noProof="0" dirty="0" smtClean="0">
-                <a:ln>
-                  <a:noFill/>
-                </a:ln>
-                <a:solidFill>
-                  <a:schemeClr val="tx1"/>
-                </a:solidFill>
-                <a:effectLst/>
-                <a:uLnTx/>
-                <a:uFillTx/>
-                <a:latin typeface="+mn-lt"/>
-                <a:ea typeface="+mn-ea"/>
-                <a:cs typeface="+mn-cs"/>
-              </a:rPr>
-            </a:br>
-            <a:endParaRPr kumimoji="0" lang="nl-NL" sz="1800" b="0" i="0" u="none" strike="noStrike" kern="1200" cap="none" spc="0" normalizeH="0" baseline="0" noProof="0" dirty="0">
-              <a:ln>
-                <a:noFill/>
-              </a:ln>
-              <a:solidFill>
-                <a:schemeClr val="tx1"/>
-              </a:solidFill>
-              <a:effectLst/>
-              <a:uLnTx/>
-              <a:uFillTx/>
-              <a:latin typeface="+mn-lt"/>
-              <a:ea typeface="+mn-ea"/>
-              <a:cs typeface="+mn-cs"/>
-            </a:endParaRPr>
-          </a:p>
-        </p:txBody>
-      </p:sp>
-    </p:spTree>
-  </p:cSld>
-  <p:clrMapOvr>
-    <a:masterClrMapping/>
-  </p:clrMapOvr>
-  <p:timing>
-    <p:tnLst>
-      <p:par>
-        <p:cTn xmlns:p14="http://schemas.microsoft.com/office/powerpoint/2010/main" id="1" dur="indefinite" restart="never" nodeType="tmRoot"/>
-      </p:par>
-    </p:tnLst>
-  </p:timing>
-</p:sld>
-</file>
-
 <file path=ppt/slides/slide2.xml><?xml version="1.0" encoding="utf-8"?>
 <p:sld xmlns:a="http://schemas.openxmlformats.org/drawingml/2006/main" xmlns:r="http://schemas.openxmlformats.org/officeDocument/2006/relationships" xmlns:p="http://schemas.openxmlformats.org/presentationml/2006/main">
   <p:cSld>
@@ -5006,7 +4196,6 @@
               <a:rPr lang="en-US" dirty="0" smtClean="0"/>
               <a:t>Manual</a:t>
             </a:r>
-            <a:endParaRPr lang="en-US" dirty="0" smtClean="0"/>
           </a:p>
           <a:p>
             <a:pPr lvl="2"/>
@@ -5033,7 +4222,6 @@
               <a:rPr lang="en-US" dirty="0" smtClean="0"/>
               <a:t>Release and pray</a:t>
             </a:r>
-            <a:endParaRPr lang="en-US" dirty="0" smtClean="0"/>
           </a:p>
         </p:txBody>
       </p:sp>
@@ -5056,7 +4244,6 @@
               <a:rPr lang="en-US" dirty="0" smtClean="0"/>
               <a:t>Build everywhere</a:t>
             </a:r>
-            <a:endParaRPr lang="en-US" dirty="0" smtClean="0"/>
           </a:p>
           <a:p>
             <a:pPr lvl="2"/>
@@ -5078,7 +4265,6 @@
               <a:rPr lang="en-US" dirty="0" smtClean="0"/>
               <a:t>Not OPS friendly</a:t>
             </a:r>
-            <a:endParaRPr lang="en-US" dirty="0" smtClean="0"/>
           </a:p>
         </p:txBody>
       </p:sp>
@@ -5101,7 +4287,6 @@
               <a:rPr lang="en-US" dirty="0" smtClean="0"/>
               <a:t>Build and Deploy</a:t>
             </a:r>
-            <a:endParaRPr lang="en-US" dirty="0" smtClean="0"/>
           </a:p>
           <a:p>
             <a:pPr lvl="2"/>
@@ -5116,7 +4301,6 @@
               <a:rPr lang="en-US" dirty="0" smtClean="0"/>
               <a:t>Not compiling</a:t>
             </a:r>
-            <a:endParaRPr lang="en-US" dirty="0" smtClean="0"/>
           </a:p>
         </p:txBody>
       </p:sp>
@@ -7831,11 +7015,7 @@
             <a:pPr lvl="2"/>
             <a:r>
               <a:rPr lang="en-US" sz="2800" dirty="0" smtClean="0"/>
-              <a:t>Production </a:t>
-            </a:r>
-            <a:r>
-              <a:rPr lang="en-US" sz="2800" dirty="0" smtClean="0"/>
-              <a:t>issues</a:t>
+              <a:t>Production issues</a:t>
             </a:r>
             <a:endParaRPr lang="en-US" sz="2800" dirty="0"/>
           </a:p>
@@ -8367,645 +7547,6 @@
       </p:grpSpPr>
       <p:sp>
         <p:nvSpPr>
-          <p:cNvPr id="10" name="Oval 9"/>
-          <p:cNvSpPr/>
-          <p:nvPr/>
-        </p:nvSpPr>
-        <p:spPr>
-          <a:xfrm>
-            <a:off x="395536" y="2348880"/>
-            <a:ext cx="2160240" cy="2160240"/>
-          </a:xfrm>
-          <a:prstGeom prst="ellipse">
-            <a:avLst/>
-          </a:prstGeom>
-          <a:solidFill>
-            <a:schemeClr val="tx1"/>
-          </a:solidFill>
-          <a:ln>
-            <a:solidFill>
-              <a:schemeClr val="tx2"/>
-            </a:solidFill>
-          </a:ln>
-        </p:spPr>
-        <p:style>
-          <a:lnRef idx="2">
-            <a:schemeClr val="accent1">
-              <a:shade val="50000"/>
-            </a:schemeClr>
-          </a:lnRef>
-          <a:fillRef idx="1">
-            <a:schemeClr val="accent1"/>
-          </a:fillRef>
-          <a:effectRef idx="0">
-            <a:schemeClr val="accent1"/>
-          </a:effectRef>
-          <a:fontRef idx="minor">
-            <a:schemeClr val="lt1"/>
-          </a:fontRef>
-        </p:style>
-        <p:txBody>
-          <a:bodyPr rtlCol="0" anchor="ctr"/>
-          <a:lstStyle/>
-          <a:p>
-            <a:pPr algn="ctr"/>
-            <a:endParaRPr lang="nl-NL" sz="2800"/>
-          </a:p>
-        </p:txBody>
-      </p:sp>
-      <p:sp>
-        <p:nvSpPr>
-          <p:cNvPr id="9" name="Title 8"/>
-          <p:cNvSpPr>
-            <a:spLocks noGrp="1"/>
-          </p:cNvSpPr>
-          <p:nvPr>
-            <p:ph type="title"/>
-          </p:nvPr>
-        </p:nvSpPr>
-        <p:spPr/>
-        <p:txBody>
-          <a:bodyPr/>
-          <a:lstStyle/>
-          <a:p>
-            <a:r>
-              <a:rPr lang="en-US" smtClean="0"/>
-              <a:t>Our services</a:t>
-            </a:r>
-            <a:endParaRPr lang="nl-NL"/>
-          </a:p>
-        </p:txBody>
-      </p:sp>
-      <p:sp>
-        <p:nvSpPr>
-          <p:cNvPr id="15" name="Text Placeholder 14"/>
-          <p:cNvSpPr>
-            <a:spLocks noGrp="1"/>
-          </p:cNvSpPr>
-          <p:nvPr>
-            <p:ph type="body" sz="quarter" idx="12"/>
-          </p:nvPr>
-        </p:nvSpPr>
-        <p:spPr>
-          <a:xfrm>
-            <a:off x="3131840" y="1988840"/>
-            <a:ext cx="5040560" cy="4320480"/>
-          </a:xfrm>
-        </p:spPr>
-        <p:txBody>
-          <a:bodyPr/>
-          <a:lstStyle/>
-          <a:p>
-            <a:pPr lvl="2"/>
-            <a:r>
-              <a:rPr lang="en-US" smtClean="0"/>
-              <a:t>Building a brand</a:t>
-            </a:r>
-          </a:p>
-          <a:p>
-            <a:pPr lvl="3"/>
-            <a:r>
-              <a:rPr lang="en-US" smtClean="0"/>
-              <a:t>A respectable brand is something you have to build gradually in today’s market. Forget the quick fix, embrace customer delight.</a:t>
-            </a:r>
-          </a:p>
-          <a:p>
-            <a:pPr lvl="2"/>
-            <a:r>
-              <a:rPr lang="en-US" smtClean="0"/>
-              <a:t>The message</a:t>
-            </a:r>
-          </a:p>
-          <a:p>
-            <a:pPr lvl="3"/>
-            <a:r>
-              <a:rPr lang="en-US" smtClean="0"/>
-              <a:t>Your company conveys a message. Your brand should convey this same message, but without words.How? Ask our branding expert, who has over 10 years of experience with building brands.</a:t>
-            </a:r>
-          </a:p>
-          <a:p>
-            <a:endParaRPr lang="nl-NL"/>
-          </a:p>
-        </p:txBody>
-      </p:sp>
-      <p:sp>
-        <p:nvSpPr>
-          <p:cNvPr id="8" name="TextBox 7"/>
-          <p:cNvSpPr txBox="1"/>
-          <p:nvPr/>
-        </p:nvSpPr>
-        <p:spPr>
-          <a:xfrm>
-            <a:off x="395536" y="3140968"/>
-            <a:ext cx="2160240" cy="523220"/>
-          </a:xfrm>
-          <a:prstGeom prst="rect">
-            <a:avLst/>
-          </a:prstGeom>
-          <a:noFill/>
-        </p:spPr>
-        <p:txBody>
-          <a:bodyPr wrap="square" rtlCol="0">
-            <a:spAutoFit/>
-          </a:bodyPr>
-          <a:lstStyle/>
-          <a:p>
-            <a:pPr algn="ctr"/>
-            <a:r>
-              <a:rPr lang="en-US" sz="2800" smtClean="0">
-                <a:solidFill>
-                  <a:schemeClr val="bg2"/>
-                </a:solidFill>
-              </a:rPr>
-              <a:t>Branding</a:t>
-            </a:r>
-            <a:endParaRPr lang="nl-NL" sz="2800">
-              <a:solidFill>
-                <a:schemeClr val="bg2"/>
-              </a:solidFill>
-            </a:endParaRPr>
-          </a:p>
-        </p:txBody>
-      </p:sp>
-      <p:sp>
-        <p:nvSpPr>
-          <p:cNvPr id="6" name="Title 6"/>
-          <p:cNvSpPr txBox="1">
-            <a:spLocks/>
-          </p:cNvSpPr>
-          <p:nvPr/>
-        </p:nvSpPr>
-        <p:spPr>
-          <a:xfrm>
-            <a:off x="8676456" y="0"/>
-            <a:ext cx="576064" cy="6858000"/>
-          </a:xfrm>
-          <a:prstGeom prst="rect">
-            <a:avLst/>
-          </a:prstGeom>
-        </p:spPr>
-        <p:txBody>
-          <a:bodyPr vert="horz" lIns="91440" tIns="45720" rIns="91440" bIns="45720" rtlCol="0" anchor="ctr">
-            <a:normAutofit/>
-          </a:bodyPr>
-          <a:lstStyle/>
-          <a:p>
-            <a:pPr marL="0" marR="0" lvl="0" indent="0" algn="ctr" defTabSz="914400" rtl="0" eaLnBrk="1" fontAlgn="auto" latinLnBrk="0" hangingPunct="1">
-              <a:lnSpc>
-                <a:spcPct val="260000"/>
-              </a:lnSpc>
-              <a:spcBef>
-                <a:spcPct val="0"/>
-              </a:spcBef>
-              <a:spcAft>
-                <a:spcPts val="0"/>
-              </a:spcAft>
-              <a:buClrTx/>
-              <a:buSzTx/>
-              <a:buFontTx/>
-              <a:buNone/>
-              <a:tabLst/>
-              <a:defRPr/>
-            </a:pPr>
-            <a:r>
-              <a:rPr kumimoji="0" lang="en-US" sz="1400" b="0" i="0" u="none" strike="noStrike" kern="1200" cap="none" spc="0" normalizeH="0" baseline="0" noProof="0" smtClean="0">
-                <a:ln>
-                  <a:noFill/>
-                </a:ln>
-                <a:solidFill>
-                  <a:schemeClr val="accent3"/>
-                </a:solidFill>
-                <a:effectLst/>
-                <a:uLnTx/>
-                <a:uFillTx/>
-                <a:latin typeface="+mj-lt"/>
-                <a:ea typeface="+mj-ea"/>
-                <a:cs typeface="+mj-cs"/>
-              </a:rPr>
-              <a:t>1</a:t>
-            </a:r>
-          </a:p>
-          <a:p>
-            <a:pPr marL="0" marR="0" lvl="0" indent="0" algn="ctr" defTabSz="914400" rtl="0" eaLnBrk="1" fontAlgn="auto" latinLnBrk="0" hangingPunct="1">
-              <a:lnSpc>
-                <a:spcPct val="260000"/>
-              </a:lnSpc>
-              <a:spcBef>
-                <a:spcPct val="0"/>
-              </a:spcBef>
-              <a:spcAft>
-                <a:spcPts val="0"/>
-              </a:spcAft>
-              <a:buClrTx/>
-              <a:buSzTx/>
-              <a:buFontTx/>
-              <a:buNone/>
-              <a:tabLst/>
-              <a:defRPr/>
-            </a:pPr>
-            <a:r>
-              <a:rPr kumimoji="0" lang="en-US" sz="1400" b="0" i="0" u="none" strike="noStrike" kern="1200" cap="none" spc="0" normalizeH="0" baseline="0" noProof="0" smtClean="0">
-                <a:ln>
-                  <a:noFill/>
-                </a:ln>
-                <a:solidFill>
-                  <a:schemeClr val="accent3"/>
-                </a:solidFill>
-                <a:effectLst/>
-                <a:uLnTx/>
-                <a:uFillTx/>
-                <a:latin typeface="+mj-lt"/>
-                <a:ea typeface="+mj-ea"/>
-                <a:cs typeface="+mj-cs"/>
-              </a:rPr>
-              <a:t>2</a:t>
-            </a:r>
-          </a:p>
-          <a:p>
-            <a:pPr marL="0" marR="0" lvl="0" indent="0" algn="ctr" defTabSz="914400" rtl="0" eaLnBrk="1" fontAlgn="auto" latinLnBrk="0" hangingPunct="1">
-              <a:lnSpc>
-                <a:spcPct val="260000"/>
-              </a:lnSpc>
-              <a:spcBef>
-                <a:spcPct val="0"/>
-              </a:spcBef>
-              <a:spcAft>
-                <a:spcPts val="0"/>
-              </a:spcAft>
-              <a:buClrTx/>
-              <a:buSzTx/>
-              <a:buFontTx/>
-              <a:buNone/>
-              <a:tabLst/>
-              <a:defRPr/>
-            </a:pPr>
-            <a:r>
-              <a:rPr kumimoji="0" lang="en-US" sz="1400" b="0" i="0" u="none" strike="noStrike" kern="1200" cap="none" spc="0" normalizeH="0" baseline="0" noProof="0" smtClean="0">
-                <a:ln>
-                  <a:noFill/>
-                </a:ln>
-                <a:solidFill>
-                  <a:schemeClr val="accent3"/>
-                </a:solidFill>
-                <a:effectLst/>
-                <a:uLnTx/>
-                <a:uFillTx/>
-                <a:latin typeface="+mj-lt"/>
-                <a:ea typeface="+mj-ea"/>
-                <a:cs typeface="+mj-cs"/>
-              </a:rPr>
-              <a:t>3</a:t>
-            </a:r>
-          </a:p>
-          <a:p>
-            <a:pPr marL="0" marR="0" lvl="0" indent="0" algn="ctr" defTabSz="914400" rtl="0" eaLnBrk="1" fontAlgn="auto" latinLnBrk="0" hangingPunct="1">
-              <a:lnSpc>
-                <a:spcPct val="260000"/>
-              </a:lnSpc>
-              <a:spcBef>
-                <a:spcPct val="0"/>
-              </a:spcBef>
-              <a:spcAft>
-                <a:spcPts val="0"/>
-              </a:spcAft>
-              <a:buClrTx/>
-              <a:buSzTx/>
-              <a:buFontTx/>
-              <a:buNone/>
-              <a:tabLst/>
-              <a:defRPr/>
-            </a:pPr>
-            <a:r>
-              <a:rPr lang="en-US" sz="1400" smtClean="0">
-                <a:solidFill>
-                  <a:schemeClr val="accent3"/>
-                </a:solidFill>
-                <a:latin typeface="+mj-lt"/>
-                <a:ea typeface="+mj-ea"/>
-                <a:cs typeface="+mj-cs"/>
-              </a:rPr>
-              <a:t>4</a:t>
-            </a:r>
-          </a:p>
-          <a:p>
-            <a:pPr marL="0" marR="0" lvl="0" indent="0" algn="ctr" defTabSz="914400" rtl="0" eaLnBrk="1" fontAlgn="auto" latinLnBrk="0" hangingPunct="1">
-              <a:lnSpc>
-                <a:spcPct val="260000"/>
-              </a:lnSpc>
-              <a:spcBef>
-                <a:spcPct val="0"/>
-              </a:spcBef>
-              <a:spcAft>
-                <a:spcPts val="0"/>
-              </a:spcAft>
-              <a:buClrTx/>
-              <a:buSzTx/>
-              <a:buFontTx/>
-              <a:buNone/>
-              <a:tabLst/>
-              <a:defRPr/>
-            </a:pPr>
-            <a:r>
-              <a:rPr lang="en-US" sz="1400" smtClean="0">
-                <a:solidFill>
-                  <a:schemeClr val="bg2"/>
-                </a:solidFill>
-                <a:latin typeface="+mj-lt"/>
-                <a:ea typeface="+mj-ea"/>
-                <a:cs typeface="+mj-cs"/>
-              </a:rPr>
-              <a:t>5</a:t>
-            </a:r>
-          </a:p>
-          <a:p>
-            <a:pPr marL="0" marR="0" lvl="0" indent="0" algn="ctr" defTabSz="914400" rtl="0" eaLnBrk="1" fontAlgn="auto" latinLnBrk="0" hangingPunct="1">
-              <a:lnSpc>
-                <a:spcPct val="260000"/>
-              </a:lnSpc>
-              <a:spcBef>
-                <a:spcPct val="0"/>
-              </a:spcBef>
-              <a:spcAft>
-                <a:spcPts val="0"/>
-              </a:spcAft>
-              <a:buClrTx/>
-              <a:buSzTx/>
-              <a:buFontTx/>
-              <a:buNone/>
-              <a:tabLst/>
-              <a:defRPr/>
-            </a:pPr>
-            <a:r>
-              <a:rPr lang="en-US" sz="1400" smtClean="0">
-                <a:solidFill>
-                  <a:schemeClr val="accent3"/>
-                </a:solidFill>
-                <a:latin typeface="+mj-lt"/>
-                <a:ea typeface="+mj-ea"/>
-                <a:cs typeface="+mj-cs"/>
-              </a:rPr>
-              <a:t>6</a:t>
-            </a:r>
-          </a:p>
-          <a:p>
-            <a:pPr marL="0" marR="0" lvl="0" indent="0" algn="ctr" defTabSz="914400" rtl="0" eaLnBrk="1" fontAlgn="auto" latinLnBrk="0" hangingPunct="1">
-              <a:lnSpc>
-                <a:spcPct val="260000"/>
-              </a:lnSpc>
-              <a:spcBef>
-                <a:spcPct val="0"/>
-              </a:spcBef>
-              <a:spcAft>
-                <a:spcPts val="0"/>
-              </a:spcAft>
-              <a:buClrTx/>
-              <a:buSzTx/>
-              <a:buFontTx/>
-              <a:buNone/>
-              <a:tabLst/>
-              <a:defRPr/>
-            </a:pPr>
-            <a:r>
-              <a:rPr lang="en-US" sz="1400" smtClean="0">
-                <a:solidFill>
-                  <a:schemeClr val="accent3"/>
-                </a:solidFill>
-                <a:latin typeface="+mj-lt"/>
-                <a:ea typeface="+mj-ea"/>
-                <a:cs typeface="+mj-cs"/>
-              </a:rPr>
-              <a:t>7</a:t>
-            </a:r>
-          </a:p>
-          <a:p>
-            <a:pPr marL="0" marR="0" lvl="0" indent="0" algn="ctr" defTabSz="914400" rtl="0" eaLnBrk="1" fontAlgn="auto" latinLnBrk="0" hangingPunct="1">
-              <a:lnSpc>
-                <a:spcPct val="260000"/>
-              </a:lnSpc>
-              <a:spcBef>
-                <a:spcPct val="0"/>
-              </a:spcBef>
-              <a:spcAft>
-                <a:spcPts val="0"/>
-              </a:spcAft>
-              <a:buClrTx/>
-              <a:buSzTx/>
-              <a:buFontTx/>
-              <a:buNone/>
-              <a:tabLst/>
-              <a:defRPr/>
-            </a:pPr>
-            <a:r>
-              <a:rPr lang="en-US" sz="1400" smtClean="0">
-                <a:solidFill>
-                  <a:schemeClr val="accent3"/>
-                </a:solidFill>
-                <a:latin typeface="+mj-lt"/>
-                <a:ea typeface="+mj-ea"/>
-                <a:cs typeface="+mj-cs"/>
-              </a:rPr>
-              <a:t>8</a:t>
-            </a:r>
-          </a:p>
-          <a:p>
-            <a:pPr marL="0" marR="0" lvl="0" indent="0" algn="ctr" defTabSz="914400" rtl="0" eaLnBrk="1" fontAlgn="auto" latinLnBrk="0" hangingPunct="1">
-              <a:lnSpc>
-                <a:spcPct val="260000"/>
-              </a:lnSpc>
-              <a:spcBef>
-                <a:spcPct val="0"/>
-              </a:spcBef>
-              <a:spcAft>
-                <a:spcPts val="0"/>
-              </a:spcAft>
-              <a:buClrTx/>
-              <a:buSzTx/>
-              <a:buFontTx/>
-              <a:buNone/>
-              <a:tabLst/>
-              <a:defRPr/>
-            </a:pPr>
-            <a:r>
-              <a:rPr lang="en-US" sz="1400" smtClean="0">
-                <a:solidFill>
-                  <a:schemeClr val="accent3"/>
-                </a:solidFill>
-                <a:latin typeface="+mj-lt"/>
-                <a:ea typeface="+mj-ea"/>
-                <a:cs typeface="+mj-cs"/>
-              </a:rPr>
-              <a:t>9</a:t>
-            </a:r>
-          </a:p>
-          <a:p>
-            <a:pPr marL="0" marR="0" lvl="0" indent="0" algn="ctr" defTabSz="914400" rtl="0" eaLnBrk="1" fontAlgn="auto" latinLnBrk="0" hangingPunct="1">
-              <a:lnSpc>
-                <a:spcPct val="260000"/>
-              </a:lnSpc>
-              <a:spcBef>
-                <a:spcPct val="0"/>
-              </a:spcBef>
-              <a:spcAft>
-                <a:spcPts val="0"/>
-              </a:spcAft>
-              <a:buClrTx/>
-              <a:buSzTx/>
-              <a:buFontTx/>
-              <a:buNone/>
-              <a:tabLst/>
-              <a:defRPr/>
-            </a:pPr>
-            <a:r>
-              <a:rPr lang="en-US" sz="1400" smtClean="0">
-                <a:solidFill>
-                  <a:schemeClr val="accent3"/>
-                </a:solidFill>
-                <a:latin typeface="+mj-lt"/>
-                <a:ea typeface="+mj-ea"/>
-                <a:cs typeface="+mj-cs"/>
-              </a:rPr>
-              <a:t>10</a:t>
-            </a:r>
-          </a:p>
-          <a:p>
-            <a:pPr marL="0" marR="0" lvl="0" indent="0" algn="ctr" defTabSz="914400" rtl="0" eaLnBrk="1" fontAlgn="auto" latinLnBrk="0" hangingPunct="1">
-              <a:lnSpc>
-                <a:spcPct val="260000"/>
-              </a:lnSpc>
-              <a:spcBef>
-                <a:spcPct val="0"/>
-              </a:spcBef>
-              <a:spcAft>
-                <a:spcPts val="0"/>
-              </a:spcAft>
-              <a:buClrTx/>
-              <a:buSzTx/>
-              <a:buFontTx/>
-              <a:buNone/>
-              <a:tabLst/>
-              <a:defRPr/>
-            </a:pPr>
-            <a:r>
-              <a:rPr kumimoji="0" lang="en-US" sz="1400" b="0" i="0" u="none" strike="noStrike" kern="1200" cap="none" spc="0" normalizeH="0" baseline="0" noProof="0" smtClean="0">
-                <a:ln>
-                  <a:noFill/>
-                </a:ln>
-                <a:solidFill>
-                  <a:schemeClr val="accent3"/>
-                </a:solidFill>
-                <a:effectLst/>
-                <a:uLnTx/>
-                <a:uFillTx/>
-                <a:latin typeface="+mj-lt"/>
-                <a:ea typeface="+mj-ea"/>
-                <a:cs typeface="+mj-cs"/>
-              </a:rPr>
-              <a:t>11</a:t>
-            </a:r>
-          </a:p>
-          <a:p>
-            <a:pPr marL="0" marR="0" lvl="0" indent="0" algn="ctr" defTabSz="914400" rtl="0" eaLnBrk="1" fontAlgn="auto" latinLnBrk="0" hangingPunct="1">
-              <a:lnSpc>
-                <a:spcPct val="260000"/>
-              </a:lnSpc>
-              <a:spcBef>
-                <a:spcPct val="0"/>
-              </a:spcBef>
-              <a:spcAft>
-                <a:spcPts val="0"/>
-              </a:spcAft>
-              <a:buClrTx/>
-              <a:buSzTx/>
-              <a:buFontTx/>
-              <a:buNone/>
-              <a:tabLst/>
-              <a:defRPr/>
-            </a:pPr>
-            <a:r>
-              <a:rPr lang="en-US" sz="1400" smtClean="0">
-                <a:solidFill>
-                  <a:schemeClr val="accent3"/>
-                </a:solidFill>
-                <a:latin typeface="+mj-lt"/>
-                <a:ea typeface="+mj-ea"/>
-                <a:cs typeface="+mj-cs"/>
-              </a:rPr>
-              <a:t>12</a:t>
-            </a:r>
-            <a:endParaRPr kumimoji="0" lang="nl-NL" sz="1400" b="0" i="0" u="none" strike="noStrike" kern="1200" cap="none" spc="0" normalizeH="0" baseline="0" noProof="0" smtClean="0">
-              <a:ln>
-                <a:noFill/>
-              </a:ln>
-              <a:solidFill>
-                <a:schemeClr val="accent3"/>
-              </a:solidFill>
-              <a:effectLst/>
-              <a:uLnTx/>
-              <a:uFillTx/>
-              <a:latin typeface="+mj-lt"/>
-              <a:ea typeface="+mj-ea"/>
-              <a:cs typeface="+mj-cs"/>
-            </a:endParaRPr>
-          </a:p>
-        </p:txBody>
-      </p:sp>
-      <p:sp>
-        <p:nvSpPr>
-          <p:cNvPr id="16" name="Text Placeholder 15"/>
-          <p:cNvSpPr>
-            <a:spLocks noGrp="1"/>
-          </p:cNvSpPr>
-          <p:nvPr>
-            <p:ph type="body" sz="quarter" idx="11"/>
-          </p:nvPr>
-        </p:nvSpPr>
-        <p:spPr/>
-        <p:txBody>
-          <a:bodyPr/>
-          <a:lstStyle/>
-          <a:p>
-            <a:r>
-              <a:rPr lang="en-US" smtClean="0"/>
-              <a:t>Branding</a:t>
-            </a:r>
-            <a:endParaRPr lang="nl-NL"/>
-          </a:p>
-        </p:txBody>
-      </p:sp>
-    </p:spTree>
-  </p:cSld>
-  <p:clrMapOvr>
-    <a:masterClrMapping/>
-  </p:clrMapOvr>
-  <p:timing>
-    <p:tnLst>
-      <p:par>
-        <p:cTn xmlns:p14="http://schemas.microsoft.com/office/powerpoint/2010/main" id="1" dur="indefinite" restart="never" nodeType="tmRoot"/>
-      </p:par>
-    </p:tnLst>
-  </p:timing>
-</p:sld>
-</file>
-
-<file path=ppt/slides/slide9.xml><?xml version="1.0" encoding="utf-8"?>
-<p:sld xmlns:a="http://schemas.openxmlformats.org/drawingml/2006/main" xmlns:r="http://schemas.openxmlformats.org/officeDocument/2006/relationships" xmlns:p="http://schemas.openxmlformats.org/presentationml/2006/main">
-  <p:cSld>
-    <p:spTree>
-      <p:nvGrpSpPr>
-        <p:cNvPr id="1" name=""/>
-        <p:cNvGrpSpPr/>
-        <p:nvPr/>
-      </p:nvGrpSpPr>
-      <p:grpSpPr>
-        <a:xfrm>
-          <a:off x="0" y="0"/>
-          <a:ext cx="0" cy="0"/>
-          <a:chOff x="0" y="0"/>
-          <a:chExt cx="0" cy="0"/>
-        </a:xfrm>
-      </p:grpSpPr>
-      <p:sp>
-        <p:nvSpPr>
           <p:cNvPr id="2" name="Title 1"/>
           <p:cNvSpPr>
             <a:spLocks noGrp="1"/>
@@ -9084,6 +7625,731 @@
   <p:clrMapOvr>
     <a:masterClrMapping/>
   </p:clrMapOvr>
+  <p:timing>
+    <p:tnLst>
+      <p:par>
+        <p:cTn xmlns:p14="http://schemas.microsoft.com/office/powerpoint/2010/main" id="1" dur="indefinite" restart="never" nodeType="tmRoot"/>
+      </p:par>
+    </p:tnLst>
+  </p:timing>
+</p:sld>
+</file>
+
+<file path=ppt/slides/slide9.xml><?xml version="1.0" encoding="utf-8"?>
+<p:sld xmlns:a="http://schemas.openxmlformats.org/drawingml/2006/main" xmlns:r="http://schemas.openxmlformats.org/officeDocument/2006/relationships" xmlns:p="http://schemas.openxmlformats.org/presentationml/2006/main">
+  <p:cSld>
+    <p:spTree>
+      <p:nvGrpSpPr>
+        <p:cNvPr id="1" name=""/>
+        <p:cNvGrpSpPr/>
+        <p:nvPr/>
+      </p:nvGrpSpPr>
+      <p:grpSpPr>
+        <a:xfrm>
+          <a:off x="0" y="0"/>
+          <a:ext cx="0" cy="0"/>
+          <a:chOff x="0" y="0"/>
+          <a:chExt cx="0" cy="0"/>
+        </a:xfrm>
+      </p:grpSpPr>
+      <p:sp>
+        <p:nvSpPr>
+          <p:cNvPr id="10" name="Title 9"/>
+          <p:cNvSpPr>
+            <a:spLocks noGrp="1"/>
+          </p:cNvSpPr>
+          <p:nvPr>
+            <p:ph type="title"/>
+          </p:nvPr>
+        </p:nvSpPr>
+        <p:spPr/>
+        <p:txBody>
+          <a:bodyPr/>
+          <a:lstStyle/>
+          <a:p>
+            <a:r>
+              <a:rPr lang="en-US" dirty="0" smtClean="0"/>
+              <a:t>Scott Cowan</a:t>
+            </a:r>
+            <a:endParaRPr lang="nl-NL" dirty="0"/>
+          </a:p>
+        </p:txBody>
+      </p:sp>
+      <p:sp>
+        <p:nvSpPr>
+          <p:cNvPr id="12" name="Text Placeholder 11"/>
+          <p:cNvSpPr>
+            <a:spLocks noGrp="1"/>
+          </p:cNvSpPr>
+          <p:nvPr>
+            <p:ph type="body" sz="quarter" idx="11"/>
+          </p:nvPr>
+        </p:nvSpPr>
+        <p:spPr/>
+        <p:txBody>
+          <a:bodyPr/>
+          <a:lstStyle/>
+          <a:p>
+            <a:r>
+              <a:rPr lang="en-US" dirty="0" smtClean="0"/>
+              <a:t>My </a:t>
+            </a:r>
+            <a:r>
+              <a:rPr lang="en-US" dirty="0" smtClean="0"/>
+              <a:t>contact information</a:t>
+            </a:r>
+            <a:endParaRPr lang="nl-NL" dirty="0"/>
+          </a:p>
+        </p:txBody>
+      </p:sp>
+      <p:sp>
+        <p:nvSpPr>
+          <p:cNvPr id="11" name="Title 6"/>
+          <p:cNvSpPr txBox="1">
+            <a:spLocks/>
+          </p:cNvSpPr>
+          <p:nvPr/>
+        </p:nvSpPr>
+        <p:spPr>
+          <a:xfrm>
+            <a:off x="8676456" y="0"/>
+            <a:ext cx="576064" cy="6858000"/>
+          </a:xfrm>
+          <a:prstGeom prst="rect">
+            <a:avLst/>
+          </a:prstGeom>
+        </p:spPr>
+        <p:txBody>
+          <a:bodyPr vert="horz" lIns="91440" tIns="45720" rIns="91440" bIns="45720" rtlCol="0" anchor="ctr">
+            <a:normAutofit/>
+          </a:bodyPr>
+          <a:lstStyle/>
+          <a:p>
+            <a:pPr marL="0" marR="0" lvl="0" indent="0" algn="ctr" defTabSz="914400" rtl="0" eaLnBrk="1" fontAlgn="auto" latinLnBrk="0" hangingPunct="1">
+              <a:lnSpc>
+                <a:spcPct val="260000"/>
+              </a:lnSpc>
+              <a:spcBef>
+                <a:spcPct val="0"/>
+              </a:spcBef>
+              <a:spcAft>
+                <a:spcPts val="0"/>
+              </a:spcAft>
+              <a:buClrTx/>
+              <a:buSzTx/>
+              <a:buFontTx/>
+              <a:buNone/>
+              <a:tabLst/>
+              <a:defRPr/>
+            </a:pPr>
+            <a:r>
+              <a:rPr kumimoji="0" lang="en-US" sz="1400" b="0" i="0" u="none" strike="noStrike" kern="1200" cap="none" spc="0" normalizeH="0" baseline="0" noProof="0" smtClean="0">
+                <a:ln>
+                  <a:noFill/>
+                </a:ln>
+                <a:solidFill>
+                  <a:schemeClr val="accent3"/>
+                </a:solidFill>
+                <a:effectLst/>
+                <a:uLnTx/>
+                <a:uFillTx/>
+                <a:latin typeface="+mj-lt"/>
+                <a:ea typeface="+mj-ea"/>
+                <a:cs typeface="+mj-cs"/>
+              </a:rPr>
+              <a:t>1</a:t>
+            </a:r>
+          </a:p>
+          <a:p>
+            <a:pPr marL="0" marR="0" lvl="0" indent="0" algn="ctr" defTabSz="914400" rtl="0" eaLnBrk="1" fontAlgn="auto" latinLnBrk="0" hangingPunct="1">
+              <a:lnSpc>
+                <a:spcPct val="260000"/>
+              </a:lnSpc>
+              <a:spcBef>
+                <a:spcPct val="0"/>
+              </a:spcBef>
+              <a:spcAft>
+                <a:spcPts val="0"/>
+              </a:spcAft>
+              <a:buClrTx/>
+              <a:buSzTx/>
+              <a:buFontTx/>
+              <a:buNone/>
+              <a:tabLst/>
+              <a:defRPr/>
+            </a:pPr>
+            <a:r>
+              <a:rPr kumimoji="0" lang="en-US" sz="1400" b="0" i="0" u="none" strike="noStrike" kern="1200" cap="none" spc="0" normalizeH="0" baseline="0" noProof="0" smtClean="0">
+                <a:ln>
+                  <a:noFill/>
+                </a:ln>
+                <a:solidFill>
+                  <a:schemeClr val="accent3"/>
+                </a:solidFill>
+                <a:effectLst/>
+                <a:uLnTx/>
+                <a:uFillTx/>
+                <a:latin typeface="+mj-lt"/>
+                <a:ea typeface="+mj-ea"/>
+                <a:cs typeface="+mj-cs"/>
+              </a:rPr>
+              <a:t>2</a:t>
+            </a:r>
+          </a:p>
+          <a:p>
+            <a:pPr marL="0" marR="0" lvl="0" indent="0" algn="ctr" defTabSz="914400" rtl="0" eaLnBrk="1" fontAlgn="auto" latinLnBrk="0" hangingPunct="1">
+              <a:lnSpc>
+                <a:spcPct val="260000"/>
+              </a:lnSpc>
+              <a:spcBef>
+                <a:spcPct val="0"/>
+              </a:spcBef>
+              <a:spcAft>
+                <a:spcPts val="0"/>
+              </a:spcAft>
+              <a:buClrTx/>
+              <a:buSzTx/>
+              <a:buFontTx/>
+              <a:buNone/>
+              <a:tabLst/>
+              <a:defRPr/>
+            </a:pPr>
+            <a:r>
+              <a:rPr kumimoji="0" lang="en-US" sz="1400" b="0" i="0" u="none" strike="noStrike" kern="1200" cap="none" spc="0" normalizeH="0" baseline="0" noProof="0" smtClean="0">
+                <a:ln>
+                  <a:noFill/>
+                </a:ln>
+                <a:solidFill>
+                  <a:schemeClr val="accent3"/>
+                </a:solidFill>
+                <a:effectLst/>
+                <a:uLnTx/>
+                <a:uFillTx/>
+                <a:latin typeface="+mj-lt"/>
+                <a:ea typeface="+mj-ea"/>
+                <a:cs typeface="+mj-cs"/>
+              </a:rPr>
+              <a:t>3</a:t>
+            </a:r>
+          </a:p>
+          <a:p>
+            <a:pPr marL="0" marR="0" lvl="0" indent="0" algn="ctr" defTabSz="914400" rtl="0" eaLnBrk="1" fontAlgn="auto" latinLnBrk="0" hangingPunct="1">
+              <a:lnSpc>
+                <a:spcPct val="260000"/>
+              </a:lnSpc>
+              <a:spcBef>
+                <a:spcPct val="0"/>
+              </a:spcBef>
+              <a:spcAft>
+                <a:spcPts val="0"/>
+              </a:spcAft>
+              <a:buClrTx/>
+              <a:buSzTx/>
+              <a:buFontTx/>
+              <a:buNone/>
+              <a:tabLst/>
+              <a:defRPr/>
+            </a:pPr>
+            <a:r>
+              <a:rPr lang="en-US" sz="1400" smtClean="0">
+                <a:solidFill>
+                  <a:schemeClr val="accent3"/>
+                </a:solidFill>
+                <a:latin typeface="+mj-lt"/>
+                <a:ea typeface="+mj-ea"/>
+                <a:cs typeface="+mj-cs"/>
+              </a:rPr>
+              <a:t>4</a:t>
+            </a:r>
+          </a:p>
+          <a:p>
+            <a:pPr marL="0" marR="0" lvl="0" indent="0" algn="ctr" defTabSz="914400" rtl="0" eaLnBrk="1" fontAlgn="auto" latinLnBrk="0" hangingPunct="1">
+              <a:lnSpc>
+                <a:spcPct val="260000"/>
+              </a:lnSpc>
+              <a:spcBef>
+                <a:spcPct val="0"/>
+              </a:spcBef>
+              <a:spcAft>
+                <a:spcPts val="0"/>
+              </a:spcAft>
+              <a:buClrTx/>
+              <a:buSzTx/>
+              <a:buFontTx/>
+              <a:buNone/>
+              <a:tabLst/>
+              <a:defRPr/>
+            </a:pPr>
+            <a:r>
+              <a:rPr lang="en-US" sz="1400" smtClean="0">
+                <a:solidFill>
+                  <a:schemeClr val="accent3"/>
+                </a:solidFill>
+                <a:latin typeface="+mj-lt"/>
+                <a:ea typeface="+mj-ea"/>
+                <a:cs typeface="+mj-cs"/>
+              </a:rPr>
+              <a:t>5</a:t>
+            </a:r>
+          </a:p>
+          <a:p>
+            <a:pPr marL="0" marR="0" lvl="0" indent="0" algn="ctr" defTabSz="914400" rtl="0" eaLnBrk="1" fontAlgn="auto" latinLnBrk="0" hangingPunct="1">
+              <a:lnSpc>
+                <a:spcPct val="260000"/>
+              </a:lnSpc>
+              <a:spcBef>
+                <a:spcPct val="0"/>
+              </a:spcBef>
+              <a:spcAft>
+                <a:spcPts val="0"/>
+              </a:spcAft>
+              <a:buClrTx/>
+              <a:buSzTx/>
+              <a:buFontTx/>
+              <a:buNone/>
+              <a:tabLst/>
+              <a:defRPr/>
+            </a:pPr>
+            <a:r>
+              <a:rPr lang="en-US" sz="1400" smtClean="0">
+                <a:solidFill>
+                  <a:schemeClr val="accent3"/>
+                </a:solidFill>
+                <a:latin typeface="+mj-lt"/>
+                <a:ea typeface="+mj-ea"/>
+                <a:cs typeface="+mj-cs"/>
+              </a:rPr>
+              <a:t>6</a:t>
+            </a:r>
+          </a:p>
+          <a:p>
+            <a:pPr marL="0" marR="0" lvl="0" indent="0" algn="ctr" defTabSz="914400" rtl="0" eaLnBrk="1" fontAlgn="auto" latinLnBrk="0" hangingPunct="1">
+              <a:lnSpc>
+                <a:spcPct val="260000"/>
+              </a:lnSpc>
+              <a:spcBef>
+                <a:spcPct val="0"/>
+              </a:spcBef>
+              <a:spcAft>
+                <a:spcPts val="0"/>
+              </a:spcAft>
+              <a:buClrTx/>
+              <a:buSzTx/>
+              <a:buFontTx/>
+              <a:buNone/>
+              <a:tabLst/>
+              <a:defRPr/>
+            </a:pPr>
+            <a:r>
+              <a:rPr lang="en-US" sz="1400" smtClean="0">
+                <a:solidFill>
+                  <a:schemeClr val="accent3"/>
+                </a:solidFill>
+                <a:latin typeface="+mj-lt"/>
+                <a:ea typeface="+mj-ea"/>
+                <a:cs typeface="+mj-cs"/>
+              </a:rPr>
+              <a:t>7</a:t>
+            </a:r>
+          </a:p>
+          <a:p>
+            <a:pPr marL="0" marR="0" lvl="0" indent="0" algn="ctr" defTabSz="914400" rtl="0" eaLnBrk="1" fontAlgn="auto" latinLnBrk="0" hangingPunct="1">
+              <a:lnSpc>
+                <a:spcPct val="260000"/>
+              </a:lnSpc>
+              <a:spcBef>
+                <a:spcPct val="0"/>
+              </a:spcBef>
+              <a:spcAft>
+                <a:spcPts val="0"/>
+              </a:spcAft>
+              <a:buClrTx/>
+              <a:buSzTx/>
+              <a:buFontTx/>
+              <a:buNone/>
+              <a:tabLst/>
+              <a:defRPr/>
+            </a:pPr>
+            <a:r>
+              <a:rPr lang="en-US" sz="1400" smtClean="0">
+                <a:solidFill>
+                  <a:schemeClr val="accent3"/>
+                </a:solidFill>
+                <a:latin typeface="+mj-lt"/>
+                <a:ea typeface="+mj-ea"/>
+                <a:cs typeface="+mj-cs"/>
+              </a:rPr>
+              <a:t>8</a:t>
+            </a:r>
+          </a:p>
+          <a:p>
+            <a:pPr marL="0" marR="0" lvl="0" indent="0" algn="ctr" defTabSz="914400" rtl="0" eaLnBrk="1" fontAlgn="auto" latinLnBrk="0" hangingPunct="1">
+              <a:lnSpc>
+                <a:spcPct val="260000"/>
+              </a:lnSpc>
+              <a:spcBef>
+                <a:spcPct val="0"/>
+              </a:spcBef>
+              <a:spcAft>
+                <a:spcPts val="0"/>
+              </a:spcAft>
+              <a:buClrTx/>
+              <a:buSzTx/>
+              <a:buFontTx/>
+              <a:buNone/>
+              <a:tabLst/>
+              <a:defRPr/>
+            </a:pPr>
+            <a:r>
+              <a:rPr lang="en-US" sz="1400" smtClean="0">
+                <a:solidFill>
+                  <a:schemeClr val="accent3"/>
+                </a:solidFill>
+                <a:latin typeface="+mj-lt"/>
+                <a:ea typeface="+mj-ea"/>
+                <a:cs typeface="+mj-cs"/>
+              </a:rPr>
+              <a:t>9</a:t>
+            </a:r>
+          </a:p>
+          <a:p>
+            <a:pPr marL="0" marR="0" lvl="0" indent="0" algn="ctr" defTabSz="914400" rtl="0" eaLnBrk="1" fontAlgn="auto" latinLnBrk="0" hangingPunct="1">
+              <a:lnSpc>
+                <a:spcPct val="260000"/>
+              </a:lnSpc>
+              <a:spcBef>
+                <a:spcPct val="0"/>
+              </a:spcBef>
+              <a:spcAft>
+                <a:spcPts val="0"/>
+              </a:spcAft>
+              <a:buClrTx/>
+              <a:buSzTx/>
+              <a:buFontTx/>
+              <a:buNone/>
+              <a:tabLst/>
+              <a:defRPr/>
+            </a:pPr>
+            <a:r>
+              <a:rPr lang="en-US" sz="1400" smtClean="0">
+                <a:solidFill>
+                  <a:schemeClr val="accent3"/>
+                </a:solidFill>
+                <a:latin typeface="+mj-lt"/>
+                <a:ea typeface="+mj-ea"/>
+                <a:cs typeface="+mj-cs"/>
+              </a:rPr>
+              <a:t>10</a:t>
+            </a:r>
+          </a:p>
+          <a:p>
+            <a:pPr marL="0" marR="0" lvl="0" indent="0" algn="ctr" defTabSz="914400" rtl="0" eaLnBrk="1" fontAlgn="auto" latinLnBrk="0" hangingPunct="1">
+              <a:lnSpc>
+                <a:spcPct val="260000"/>
+              </a:lnSpc>
+              <a:spcBef>
+                <a:spcPct val="0"/>
+              </a:spcBef>
+              <a:spcAft>
+                <a:spcPts val="0"/>
+              </a:spcAft>
+              <a:buClrTx/>
+              <a:buSzTx/>
+              <a:buFontTx/>
+              <a:buNone/>
+              <a:tabLst/>
+              <a:defRPr/>
+            </a:pPr>
+            <a:r>
+              <a:rPr kumimoji="0" lang="en-US" sz="1400" b="0" i="0" u="none" strike="noStrike" kern="1200" cap="none" spc="0" normalizeH="0" baseline="0" noProof="0" smtClean="0">
+                <a:ln>
+                  <a:noFill/>
+                </a:ln>
+                <a:solidFill>
+                  <a:schemeClr val="accent3"/>
+                </a:solidFill>
+                <a:effectLst/>
+                <a:uLnTx/>
+                <a:uFillTx/>
+                <a:latin typeface="+mj-lt"/>
+                <a:ea typeface="+mj-ea"/>
+                <a:cs typeface="+mj-cs"/>
+              </a:rPr>
+              <a:t>11</a:t>
+            </a:r>
+          </a:p>
+          <a:p>
+            <a:pPr marL="0" marR="0" lvl="0" indent="0" algn="ctr" defTabSz="914400" rtl="0" eaLnBrk="1" fontAlgn="auto" latinLnBrk="0" hangingPunct="1">
+              <a:lnSpc>
+                <a:spcPct val="260000"/>
+              </a:lnSpc>
+              <a:spcBef>
+                <a:spcPct val="0"/>
+              </a:spcBef>
+              <a:spcAft>
+                <a:spcPts val="0"/>
+              </a:spcAft>
+              <a:buClrTx/>
+              <a:buSzTx/>
+              <a:buFontTx/>
+              <a:buNone/>
+              <a:tabLst/>
+              <a:defRPr/>
+            </a:pPr>
+            <a:r>
+              <a:rPr lang="en-US" sz="1400" smtClean="0">
+                <a:solidFill>
+                  <a:schemeClr val="tx2"/>
+                </a:solidFill>
+                <a:latin typeface="+mj-lt"/>
+                <a:ea typeface="+mj-ea"/>
+                <a:cs typeface="+mj-cs"/>
+              </a:rPr>
+              <a:t>12</a:t>
+            </a:r>
+            <a:endParaRPr kumimoji="0" lang="nl-NL" sz="1400" b="0" i="0" u="none" strike="noStrike" kern="1200" cap="none" spc="0" normalizeH="0" baseline="0" noProof="0" smtClean="0">
+              <a:ln>
+                <a:noFill/>
+              </a:ln>
+              <a:solidFill>
+                <a:schemeClr val="tx2"/>
+              </a:solidFill>
+              <a:effectLst/>
+              <a:uLnTx/>
+              <a:uFillTx/>
+              <a:latin typeface="+mj-lt"/>
+              <a:ea typeface="+mj-ea"/>
+              <a:cs typeface="+mj-cs"/>
+            </a:endParaRPr>
+          </a:p>
+        </p:txBody>
+      </p:sp>
+      <p:sp>
+        <p:nvSpPr>
+          <p:cNvPr id="6" name="Text Placeholder 4"/>
+          <p:cNvSpPr txBox="1">
+            <a:spLocks/>
+          </p:cNvSpPr>
+          <p:nvPr/>
+        </p:nvSpPr>
+        <p:spPr>
+          <a:xfrm>
+            <a:off x="4427984" y="1988840"/>
+            <a:ext cx="3888432" cy="4320480"/>
+          </a:xfrm>
+          <a:prstGeom prst="rect">
+            <a:avLst/>
+          </a:prstGeom>
+        </p:spPr>
+        <p:txBody>
+          <a:bodyPr vert="horz" lIns="91440" tIns="45720" rIns="91440" bIns="45720" rtlCol="0">
+            <a:normAutofit/>
+          </a:bodyPr>
+          <a:lstStyle/>
+          <a:p>
+            <a:pPr marL="0" marR="0" lvl="0" indent="0" algn="l" defTabSz="914400" rtl="0" eaLnBrk="1" fontAlgn="auto" latinLnBrk="0" hangingPunct="1">
+              <a:lnSpc>
+                <a:spcPct val="130000"/>
+              </a:lnSpc>
+              <a:spcBef>
+                <a:spcPct val="20000"/>
+              </a:spcBef>
+              <a:spcAft>
+                <a:spcPts val="0"/>
+              </a:spcAft>
+              <a:buClrTx/>
+              <a:buSzTx/>
+              <a:buFont typeface="Arial" pitchFamily="34" charset="0"/>
+              <a:buNone/>
+              <a:tabLst/>
+              <a:defRPr/>
+            </a:pPr>
+            <a:r>
+              <a:rPr kumimoji="0" lang="en-US" sz="2100" b="0" i="0" u="none" strike="noStrike" kern="1200" cap="none" spc="0" normalizeH="0" baseline="0" noProof="0" dirty="0" smtClean="0">
+                <a:ln>
+                  <a:noFill/>
+                </a:ln>
+                <a:solidFill>
+                  <a:schemeClr val="bg2"/>
+                </a:solidFill>
+                <a:effectLst/>
+                <a:uLnTx/>
+                <a:uFillTx/>
+                <a:latin typeface="+mn-lt"/>
+                <a:ea typeface="+mn-ea"/>
+                <a:cs typeface="+mn-cs"/>
+              </a:rPr>
+              <a:t>On the web</a:t>
+            </a:r>
+          </a:p>
+          <a:p>
+            <a:pPr marL="0" marR="0" lvl="1" indent="0" algn="l" defTabSz="914400" rtl="0" eaLnBrk="1" fontAlgn="auto" latinLnBrk="0" hangingPunct="1">
+              <a:lnSpc>
+                <a:spcPct val="130000"/>
+              </a:lnSpc>
+              <a:spcBef>
+                <a:spcPct val="20000"/>
+              </a:spcBef>
+              <a:spcAft>
+                <a:spcPts val="0"/>
+              </a:spcAft>
+              <a:buClrTx/>
+              <a:buSzTx/>
+              <a:buFont typeface="Arial" pitchFamily="34" charset="0"/>
+              <a:buNone/>
+              <a:tabLst/>
+              <a:defRPr/>
+            </a:pPr>
+            <a:r>
+              <a:rPr kumimoji="0" lang="en-US" sz="1800" b="0" i="0" u="none" strike="noStrike" kern="1200" cap="none" spc="0" normalizeH="0" baseline="0" noProof="0" dirty="0" err="1" smtClean="0">
+                <a:ln>
+                  <a:noFill/>
+                </a:ln>
+                <a:solidFill>
+                  <a:schemeClr val="tx1"/>
+                </a:solidFill>
+                <a:effectLst/>
+                <a:uLnTx/>
+                <a:uFillTx/>
+                <a:latin typeface="+mn-lt"/>
+                <a:ea typeface="+mn-ea"/>
+                <a:cs typeface="+mn-cs"/>
+              </a:rPr>
+              <a:t>twitter.com</a:t>
+            </a:r>
+            <a:r>
+              <a:rPr kumimoji="0" lang="en-US" sz="1800" b="0" i="0" u="none" strike="noStrike" kern="1200" cap="none" spc="0" normalizeH="0" baseline="0" noProof="0" dirty="0" smtClean="0">
+                <a:ln>
+                  <a:noFill/>
+                </a:ln>
+                <a:solidFill>
+                  <a:schemeClr val="tx1"/>
+                </a:solidFill>
+                <a:effectLst/>
+                <a:uLnTx/>
+                <a:uFillTx/>
+                <a:latin typeface="+mn-lt"/>
+                <a:ea typeface="+mn-ea"/>
+                <a:cs typeface="+mn-cs"/>
+              </a:rPr>
+              <a:t>/</a:t>
+            </a:r>
+            <a:r>
+              <a:rPr kumimoji="0" lang="en-US" sz="1800" b="0" i="0" u="none" strike="noStrike" kern="1200" cap="none" spc="0" normalizeH="0" baseline="0" noProof="0" dirty="0" err="1" smtClean="0">
+                <a:ln>
+                  <a:noFill/>
+                </a:ln>
+                <a:solidFill>
+                  <a:schemeClr val="tx1"/>
+                </a:solidFill>
+                <a:effectLst/>
+                <a:uLnTx/>
+                <a:uFillTx/>
+                <a:latin typeface="+mn-lt"/>
+                <a:ea typeface="+mn-ea"/>
+                <a:cs typeface="+mn-cs"/>
+              </a:rPr>
+              <a:t>scottcowan</a:t>
+            </a:r>
+            <a:endParaRPr kumimoji="0" lang="en-US" sz="1800" b="0" i="0" u="none" strike="noStrike" kern="1200" cap="none" spc="0" normalizeH="0" baseline="0" noProof="0" dirty="0" smtClean="0">
+              <a:ln>
+                <a:noFill/>
+              </a:ln>
+              <a:solidFill>
+                <a:schemeClr val="tx1"/>
+              </a:solidFill>
+              <a:effectLst/>
+              <a:uLnTx/>
+              <a:uFillTx/>
+              <a:latin typeface="+mn-lt"/>
+              <a:ea typeface="+mn-ea"/>
+              <a:cs typeface="+mn-cs"/>
+            </a:endParaRPr>
+          </a:p>
+          <a:p>
+            <a:pPr marL="0" lvl="1">
+              <a:lnSpc>
+                <a:spcPct val="130000"/>
+              </a:lnSpc>
+              <a:spcBef>
+                <a:spcPct val="20000"/>
+              </a:spcBef>
+              <a:defRPr/>
+            </a:pPr>
+            <a:r>
+              <a:rPr lang="en-US" dirty="0" err="1" smtClean="0"/>
+              <a:t>github.com</a:t>
+            </a:r>
+            <a:r>
+              <a:rPr lang="en-US" dirty="0"/>
+              <a:t>/</a:t>
+            </a:r>
+            <a:r>
+              <a:rPr lang="en-US" dirty="0" err="1" smtClean="0"/>
+              <a:t>scottcowan</a:t>
+            </a:r>
+            <a:r>
+              <a:rPr kumimoji="0" lang="en-US" sz="1800" b="0" i="0" u="none" strike="noStrike" kern="1200" cap="none" spc="0" normalizeH="0" baseline="0" noProof="0" dirty="0" smtClean="0">
+                <a:ln>
+                  <a:noFill/>
+                </a:ln>
+                <a:solidFill>
+                  <a:schemeClr val="tx1"/>
+                </a:solidFill>
+                <a:effectLst/>
+                <a:uLnTx/>
+                <a:uFillTx/>
+                <a:latin typeface="+mn-lt"/>
+                <a:ea typeface="+mn-ea"/>
+                <a:cs typeface="+mn-cs"/>
+              </a:rPr>
+              <a:t/>
+            </a:r>
+            <a:br>
+              <a:rPr kumimoji="0" lang="en-US" sz="1800" b="0" i="0" u="none" strike="noStrike" kern="1200" cap="none" spc="0" normalizeH="0" baseline="0" noProof="0" dirty="0" smtClean="0">
+                <a:ln>
+                  <a:noFill/>
+                </a:ln>
+                <a:solidFill>
+                  <a:schemeClr val="tx1"/>
+                </a:solidFill>
+                <a:effectLst/>
+                <a:uLnTx/>
+                <a:uFillTx/>
+                <a:latin typeface="+mn-lt"/>
+                <a:ea typeface="+mn-ea"/>
+                <a:cs typeface="+mn-cs"/>
+              </a:rPr>
+            </a:br>
+            <a:endParaRPr kumimoji="0" lang="nl-NL" sz="1800" b="0" i="0" u="none" strike="noStrike" kern="1200" cap="none" spc="0" normalizeH="0" baseline="0" noProof="0" dirty="0">
+              <a:ln>
+                <a:noFill/>
+              </a:ln>
+              <a:solidFill>
+                <a:schemeClr val="tx1"/>
+              </a:solidFill>
+              <a:effectLst/>
+              <a:uLnTx/>
+              <a:uFillTx/>
+              <a:latin typeface="+mn-lt"/>
+              <a:ea typeface="+mn-ea"/>
+              <a:cs typeface="+mn-cs"/>
+            </a:endParaRPr>
+          </a:p>
+        </p:txBody>
+      </p:sp>
+    </p:spTree>
+  </p:cSld>
+  <p:clrMapOvr>
+    <a:masterClrMapping/>
+  </p:clrMapOvr>
+  <p:timing>
+    <p:tnLst>
+      <p:par>
+        <p:cTn xmlns:p14="http://schemas.microsoft.com/office/powerpoint/2010/main" id="1" dur="indefinite" restart="never" nodeType="tmRoot"/>
+      </p:par>
+    </p:tnLst>
+  </p:timing>
 </p:sld>
 </file>
 
